--- a/ppt/Git_tutorial_part_2.pptx
+++ b/ppt/Git_tutorial_part_2.pptx
@@ -20680,8 +20680,8 @@
         </p:nvSpPr>
         <p:spPr>
           <a:xfrm>
-            <a:off x="1838880" y="634500"/>
-            <a:ext cx="6847200" cy="856710"/>
+            <a:off x="1695968" y="117050"/>
+            <a:ext cx="6847200" cy="856800"/>
           </a:xfrm>
           <a:prstGeom prst="rect">
             <a:avLst/>
@@ -20738,8 +20738,8 @@
         </p:nvSpPr>
         <p:spPr>
           <a:xfrm>
-            <a:off x="1838880" y="1577225"/>
-            <a:ext cx="6847200" cy="2748600"/>
+            <a:off x="1899400" y="1096750"/>
+            <a:ext cx="6847200" cy="3035400"/>
           </a:xfrm>
           <a:prstGeom prst="rect">
             <a:avLst/>
@@ -20897,10 +20897,53 @@
               <a:t> my `R-code-club` GitHub repository</a:t>
             </a:r>
             <a:endParaRPr b="0" i="0" sz="1800" u="none" cap="none" strike="noStrike">
-              <a:latin typeface="Arial"/>
-              <a:ea typeface="Arial"/>
-              <a:cs typeface="Arial"/>
-              <a:sym typeface="Arial"/>
+              <a:solidFill>
+                <a:srgbClr val="006583"/>
+              </a:solidFill>
+              <a:latin typeface="Calibri"/>
+              <a:ea typeface="Calibri"/>
+              <a:cs typeface="Calibri"/>
+              <a:sym typeface="Calibri"/>
+            </a:endParaRPr>
+          </a:p>
+          <a:p>
+            <a:pPr indent="-342900" lvl="1" marL="914400" marR="0" rtl="0" algn="l">
+              <a:lnSpc>
+                <a:spcPct val="100000"/>
+              </a:lnSpc>
+              <a:spcBef>
+                <a:spcPts val="479"/>
+              </a:spcBef>
+              <a:spcAft>
+                <a:spcPts val="0"/>
+              </a:spcAft>
+              <a:buClr>
+                <a:srgbClr val="006583"/>
+              </a:buClr>
+              <a:buSzPts val="1800"/>
+              <a:buFont typeface="Calibri"/>
+              <a:buChar char="○"/>
+            </a:pPr>
+            <a:r>
+              <a:rPr lang="en" sz="1800">
+                <a:solidFill>
+                  <a:srgbClr val="006583"/>
+                </a:solidFill>
+                <a:latin typeface="Calibri"/>
+                <a:ea typeface="Calibri"/>
+                <a:cs typeface="Calibri"/>
+                <a:sym typeface="Calibri"/>
+              </a:rPr>
+              <a:t>git checkout --track origin/nick</a:t>
+            </a:r>
+            <a:endParaRPr sz="1800">
+              <a:solidFill>
+                <a:srgbClr val="006583"/>
+              </a:solidFill>
+              <a:latin typeface="Calibri"/>
+              <a:ea typeface="Calibri"/>
+              <a:cs typeface="Calibri"/>
+              <a:sym typeface="Calibri"/>
             </a:endParaRPr>
           </a:p>
           <a:p>
@@ -21079,11 +21122,106 @@
               </a:rPr>
               <a:t>push</a:t>
             </a:r>
-            <a:endParaRPr b="0" i="0" sz="1800" u="none" cap="none" strike="noStrike">
-              <a:latin typeface="Arial"/>
-              <a:ea typeface="Arial"/>
-              <a:cs typeface="Arial"/>
-              <a:sym typeface="Arial"/>
+            <a:endParaRPr b="1" i="0" sz="1800" u="none" cap="none" strike="noStrike">
+              <a:solidFill>
+                <a:srgbClr val="006583"/>
+              </a:solidFill>
+              <a:latin typeface="Calibri"/>
+              <a:ea typeface="Calibri"/>
+              <a:cs typeface="Calibri"/>
+              <a:sym typeface="Calibri"/>
+            </a:endParaRPr>
+          </a:p>
+          <a:p>
+            <a:pPr indent="-317500" lvl="1" marL="914400" marR="0" rtl="0" algn="l">
+              <a:lnSpc>
+                <a:spcPct val="100000"/>
+              </a:lnSpc>
+              <a:spcBef>
+                <a:spcPts val="479"/>
+              </a:spcBef>
+              <a:spcAft>
+                <a:spcPts val="0"/>
+              </a:spcAft>
+              <a:buClr>
+                <a:srgbClr val="006583"/>
+              </a:buClr>
+              <a:buSzPts val="1400"/>
+              <a:buFont typeface="Calibri"/>
+              <a:buChar char="○"/>
+            </a:pPr>
+            <a:r>
+              <a:rPr lang="en">
+                <a:solidFill>
+                  <a:srgbClr val="006583"/>
+                </a:solidFill>
+                <a:latin typeface="Calibri"/>
+                <a:ea typeface="Calibri"/>
+                <a:cs typeface="Calibri"/>
+                <a:sym typeface="Calibri"/>
+              </a:rPr>
+              <a:t>git push --set-upstream origin &lt;BRANCH-NAME&gt;</a:t>
+            </a:r>
+            <a:endParaRPr>
+              <a:solidFill>
+                <a:srgbClr val="006583"/>
+              </a:solidFill>
+              <a:latin typeface="Calibri"/>
+              <a:ea typeface="Calibri"/>
+              <a:cs typeface="Calibri"/>
+              <a:sym typeface="Calibri"/>
+            </a:endParaRPr>
+          </a:p>
+          <a:p>
+            <a:pPr indent="-317500" lvl="0" marL="457200" marR="0" rtl="0" algn="l">
+              <a:lnSpc>
+                <a:spcPct val="100000"/>
+              </a:lnSpc>
+              <a:spcBef>
+                <a:spcPts val="479"/>
+              </a:spcBef>
+              <a:spcAft>
+                <a:spcPts val="0"/>
+              </a:spcAft>
+              <a:buClr>
+                <a:srgbClr val="006583"/>
+              </a:buClr>
+              <a:buSzPts val="1400"/>
+              <a:buFont typeface="Calibri"/>
+              <a:buChar char="•"/>
+            </a:pPr>
+            <a:r>
+              <a:rPr b="1" lang="en">
+                <a:solidFill>
+                  <a:srgbClr val="006583"/>
+                </a:solidFill>
+                <a:latin typeface="Calibri"/>
+                <a:ea typeface="Calibri"/>
+                <a:cs typeface="Calibri"/>
+                <a:sym typeface="Calibri"/>
+              </a:rPr>
+              <a:t>Merge</a:t>
+            </a:r>
+            <a:r>
+              <a:rPr lang="en">
+                <a:solidFill>
+                  <a:srgbClr val="006583"/>
+                </a:solidFill>
+                <a:latin typeface="Calibri"/>
+                <a:ea typeface="Calibri"/>
+                <a:cs typeface="Calibri"/>
+                <a:sym typeface="Calibri"/>
+              </a:rPr>
+              <a:t> ?</a:t>
+            </a:r>
+            <a:endParaRPr>
+              <a:solidFill>
+                <a:srgbClr val="006583"/>
+              </a:solidFill>
+              <a:latin typeface="Calibri"/>
+              <a:ea typeface="Calibri"/>
+              <a:cs typeface="Calibri"/>
+              <a:sym typeface="Calibri"/>
             </a:endParaRPr>
           </a:p>
           <a:p>
